--- a/source/images/Presentation1.pptx
+++ b/source/images/Presentation1.pptx
@@ -104,6 +104,11 @@
       </a:defRPr>
     </a:lvl9pPr>
   </p:defaultTextStyle>
+  <p:extLst>
+    <p:ext uri="{EFAFB233-063F-42B5-8137-9DF3F51BA10A}">
+      <p15:sldGuideLst xmlns:p15="http://schemas.microsoft.com/office/powerpoint/2012/main"/>
+    </p:ext>
+  </p:extLst>
 </p:presentation>
 </file>
 
@@ -238,7 +243,7 @@
           <a:p>
             <a:fld id="{0573018B-0507-418E-B0B6-497B2FED54C3}" type="datetimeFigureOut">
               <a:rPr lang="en-US" smtClean="0"/>
-              <a:t>01-01-2015</a:t>
+              <a:t>17-01-2015</a:t>
             </a:fld>
             <a:endParaRPr lang="en-US"/>
           </a:p>
@@ -408,7 +413,7 @@
           <a:p>
             <a:fld id="{0573018B-0507-418E-B0B6-497B2FED54C3}" type="datetimeFigureOut">
               <a:rPr lang="en-US" smtClean="0"/>
-              <a:t>01-01-2015</a:t>
+              <a:t>17-01-2015</a:t>
             </a:fld>
             <a:endParaRPr lang="en-US"/>
           </a:p>
@@ -588,7 +593,7 @@
           <a:p>
             <a:fld id="{0573018B-0507-418E-B0B6-497B2FED54C3}" type="datetimeFigureOut">
               <a:rPr lang="en-US" smtClean="0"/>
-              <a:t>01-01-2015</a:t>
+              <a:t>17-01-2015</a:t>
             </a:fld>
             <a:endParaRPr lang="en-US"/>
           </a:p>
@@ -758,7 +763,7 @@
           <a:p>
             <a:fld id="{0573018B-0507-418E-B0B6-497B2FED54C3}" type="datetimeFigureOut">
               <a:rPr lang="en-US" smtClean="0"/>
-              <a:t>01-01-2015</a:t>
+              <a:t>17-01-2015</a:t>
             </a:fld>
             <a:endParaRPr lang="en-US"/>
           </a:p>
@@ -1004,7 +1009,7 @@
           <a:p>
             <a:fld id="{0573018B-0507-418E-B0B6-497B2FED54C3}" type="datetimeFigureOut">
               <a:rPr lang="en-US" smtClean="0"/>
-              <a:t>01-01-2015</a:t>
+              <a:t>17-01-2015</a:t>
             </a:fld>
             <a:endParaRPr lang="en-US"/>
           </a:p>
@@ -1236,7 +1241,7 @@
           <a:p>
             <a:fld id="{0573018B-0507-418E-B0B6-497B2FED54C3}" type="datetimeFigureOut">
               <a:rPr lang="en-US" smtClean="0"/>
-              <a:t>01-01-2015</a:t>
+              <a:t>17-01-2015</a:t>
             </a:fld>
             <a:endParaRPr lang="en-US"/>
           </a:p>
@@ -1603,7 +1608,7 @@
           <a:p>
             <a:fld id="{0573018B-0507-418E-B0B6-497B2FED54C3}" type="datetimeFigureOut">
               <a:rPr lang="en-US" smtClean="0"/>
-              <a:t>01-01-2015</a:t>
+              <a:t>17-01-2015</a:t>
             </a:fld>
             <a:endParaRPr lang="en-US"/>
           </a:p>
@@ -1721,7 +1726,7 @@
           <a:p>
             <a:fld id="{0573018B-0507-418E-B0B6-497B2FED54C3}" type="datetimeFigureOut">
               <a:rPr lang="en-US" smtClean="0"/>
-              <a:t>01-01-2015</a:t>
+              <a:t>17-01-2015</a:t>
             </a:fld>
             <a:endParaRPr lang="en-US"/>
           </a:p>
@@ -1816,7 +1821,7 @@
           <a:p>
             <a:fld id="{0573018B-0507-418E-B0B6-497B2FED54C3}" type="datetimeFigureOut">
               <a:rPr lang="en-US" smtClean="0"/>
-              <a:t>01-01-2015</a:t>
+              <a:t>17-01-2015</a:t>
             </a:fld>
             <a:endParaRPr lang="en-US"/>
           </a:p>
@@ -2093,7 +2098,7 @@
           <a:p>
             <a:fld id="{0573018B-0507-418E-B0B6-497B2FED54C3}" type="datetimeFigureOut">
               <a:rPr lang="en-US" smtClean="0"/>
-              <a:t>01-01-2015</a:t>
+              <a:t>17-01-2015</a:t>
             </a:fld>
             <a:endParaRPr lang="en-US"/>
           </a:p>
@@ -2346,7 +2351,7 @@
           <a:p>
             <a:fld id="{0573018B-0507-418E-B0B6-497B2FED54C3}" type="datetimeFigureOut">
               <a:rPr lang="en-US" smtClean="0"/>
-              <a:t>01-01-2015</a:t>
+              <a:t>17-01-2015</a:t>
             </a:fld>
             <a:endParaRPr lang="en-US"/>
           </a:p>
@@ -2559,7 +2564,7 @@
           <a:p>
             <a:fld id="{0573018B-0507-418E-B0B6-497B2FED54C3}" type="datetimeFigureOut">
               <a:rPr lang="en-US" smtClean="0"/>
-              <a:t>01-01-2015</a:t>
+              <a:t>17-01-2015</a:t>
             </a:fld>
             <a:endParaRPr lang="en-US"/>
           </a:p>
@@ -2966,7 +2971,7 @@
       </p:grpSpPr>
       <p:grpSp>
         <p:nvGrpSpPr>
-          <p:cNvPr id="10" name="Group 9"/>
+          <p:cNvPr id="3" name="Group 2"/>
           <p:cNvGrpSpPr/>
           <p:nvPr/>
         </p:nvGrpSpPr>
@@ -2974,7 +2979,7 @@
           <a:xfrm>
             <a:off x="7632192" y="1353312"/>
             <a:ext cx="3364992" cy="670560"/>
-            <a:chOff x="2609088" y="2340864"/>
+            <a:chOff x="7632192" y="1353312"/>
             <a:chExt cx="3364992" cy="670560"/>
           </a:xfrm>
         </p:grpSpPr>
@@ -2986,7 +2991,7 @@
           </p:nvSpPr>
           <p:spPr>
             <a:xfrm>
-              <a:off x="2609088" y="2340864"/>
+              <a:off x="7632192" y="1353312"/>
               <a:ext cx="3364992" cy="670560"/>
             </a:xfrm>
             <a:prstGeom prst="roundRect">
@@ -3016,147 +3021,76 @@
               <a:pPr algn="ctr"/>
               <a:r>
                 <a:rPr lang="en-US" sz="2400" b="1" smtClean="0"/>
-                <a:t>Rechercher</a:t>
+                <a:t>Publier</a:t>
               </a:r>
-              <a:endParaRPr lang="en-US" sz="2800" b="1"/>
+              <a:endParaRPr lang="en-US" sz="2400" b="1"/>
             </a:p>
           </p:txBody>
         </p:sp>
-        <p:grpSp>
-          <p:nvGrpSpPr>
-            <p:cNvPr id="8" name="Group 7"/>
-            <p:cNvGrpSpPr/>
+        <p:sp>
+          <p:nvSpPr>
+            <p:cNvPr id="2" name="Folded Corner 1"/>
+            <p:cNvSpPr/>
             <p:nvPr/>
-          </p:nvGrpSpPr>
-          <p:grpSpPr>
+          </p:nvSpPr>
+          <p:spPr>
             <a:xfrm>
-              <a:off x="2700530" y="2400811"/>
-              <a:ext cx="414526" cy="595344"/>
-              <a:chOff x="8284463" y="1597152"/>
-              <a:chExt cx="474286" cy="681170"/>
+              <a:off x="7842453" y="1475613"/>
+              <a:ext cx="365760" cy="451104"/>
             </a:xfrm>
-          </p:grpSpPr>
-          <p:sp>
-            <p:nvSpPr>
-              <p:cNvPr id="6" name="Rounded Rectangle 5"/>
-              <p:cNvSpPr/>
-              <p:nvPr/>
-            </p:nvSpPr>
-            <p:spPr>
-              <a:xfrm rot="3616518">
-                <a:off x="8503849" y="2049448"/>
-                <a:ext cx="335955" cy="121794"/>
-              </a:xfrm>
-              <a:prstGeom prst="roundRect">
-                <a:avLst>
-                  <a:gd name="adj" fmla="val 50000"/>
-                </a:avLst>
-              </a:prstGeom>
-              <a:solidFill>
-                <a:schemeClr val="bg1"/>
-              </a:solidFill>
-              <a:ln>
-                <a:noFill/>
-              </a:ln>
-            </p:spPr>
-            <p:style>
-              <a:lnRef idx="3">
-                <a:schemeClr val="lt1"/>
-              </a:lnRef>
-              <a:fillRef idx="1">
-                <a:schemeClr val="accent4"/>
-              </a:fillRef>
-              <a:effectRef idx="1">
-                <a:schemeClr val="accent4"/>
-              </a:effectRef>
-              <a:fontRef idx="minor">
-                <a:schemeClr val="lt1"/>
-              </a:fontRef>
-            </p:style>
-            <p:txBody>
-              <a:bodyPr rtlCol="0" anchor="ctr"/>
-              <a:lstStyle/>
-              <a:p>
-                <a:pPr algn="ctr"/>
-                <a:endParaRPr lang="en-US"/>
-              </a:p>
-            </p:txBody>
-          </p:sp>
-          <p:sp>
-            <p:nvSpPr>
-              <p:cNvPr id="7" name="Donut 6"/>
-              <p:cNvSpPr/>
-              <p:nvPr/>
-            </p:nvSpPr>
-            <p:spPr>
-              <a:xfrm>
-                <a:off x="8284463" y="1597152"/>
-                <a:ext cx="474286" cy="474287"/>
-              </a:xfrm>
-              <a:prstGeom prst="donut">
-                <a:avLst/>
-              </a:prstGeom>
-              <a:solidFill>
-                <a:schemeClr val="bg1"/>
-              </a:solidFill>
-              <a:ln>
-                <a:noFill/>
-              </a:ln>
-            </p:spPr>
-            <p:style>
-              <a:lnRef idx="2">
-                <a:schemeClr val="accent1">
-                  <a:shade val="50000"/>
-                </a:schemeClr>
-              </a:lnRef>
-              <a:fillRef idx="1">
-                <a:schemeClr val="accent1"/>
-              </a:fillRef>
-              <a:effectRef idx="0">
-                <a:schemeClr val="accent1"/>
-              </a:effectRef>
-              <a:fontRef idx="minor">
-                <a:schemeClr val="lt1"/>
-              </a:fontRef>
-            </p:style>
-            <p:txBody>
-              <a:bodyPr rtlCol="0" anchor="ctr"/>
-              <a:lstStyle/>
-              <a:p>
-                <a:pPr algn="ctr"/>
-                <a:endParaRPr lang="en-US">
-                  <a:solidFill>
-                    <a:schemeClr val="tx1"/>
-                  </a:solidFill>
-                </a:endParaRPr>
-              </a:p>
-            </p:txBody>
-          </p:sp>
-        </p:grpSp>
+            <a:prstGeom prst="foldedCorner">
+              <a:avLst>
+                <a:gd name="adj" fmla="val 37720"/>
+              </a:avLst>
+            </a:prstGeom>
+          </p:spPr>
+          <p:style>
+            <a:lnRef idx="2">
+              <a:schemeClr val="accent4"/>
+            </a:lnRef>
+            <a:fillRef idx="1">
+              <a:schemeClr val="lt1"/>
+            </a:fillRef>
+            <a:effectRef idx="0">
+              <a:schemeClr val="accent4"/>
+            </a:effectRef>
+            <a:fontRef idx="minor">
+              <a:schemeClr val="dk1"/>
+            </a:fontRef>
+          </p:style>
+          <p:txBody>
+            <a:bodyPr rtlCol="0" anchor="ctr"/>
+            <a:lstStyle/>
+            <a:p>
+              <a:pPr algn="ctr"/>
+              <a:endParaRPr lang="en-US"/>
+            </a:p>
+          </p:txBody>
+        </p:sp>
       </p:grpSp>
       <p:grpSp>
         <p:nvGrpSpPr>
-          <p:cNvPr id="19" name="Group 18"/>
+          <p:cNvPr id="31" name="Group 30"/>
           <p:cNvGrpSpPr/>
           <p:nvPr/>
         </p:nvGrpSpPr>
         <p:grpSpPr>
           <a:xfrm>
-            <a:off x="7632192" y="2468880"/>
+            <a:off x="7632192" y="3576066"/>
             <a:ext cx="3364992" cy="670560"/>
-            <a:chOff x="7632192" y="2468880"/>
+            <a:chOff x="7632192" y="3576066"/>
             <a:chExt cx="3364992" cy="670560"/>
           </a:xfrm>
         </p:grpSpPr>
         <p:sp>
           <p:nvSpPr>
-            <p:cNvPr id="9" name="Rounded Rectangle 8"/>
+            <p:cNvPr id="26" name="Rounded Rectangle 25"/>
             <p:cNvSpPr/>
             <p:nvPr/>
           </p:nvSpPr>
           <p:spPr>
             <a:xfrm>
-              <a:off x="7632192" y="2468880"/>
+              <a:off x="7632192" y="3576066"/>
               <a:ext cx="3364992" cy="670560"/>
             </a:xfrm>
             <a:prstGeom prst="roundRect">
@@ -3167,13 +3101,13 @@
           </p:spPr>
           <p:style>
             <a:lnRef idx="0">
-              <a:schemeClr val="accent3"/>
+              <a:schemeClr val="accent4"/>
             </a:lnRef>
             <a:fillRef idx="3">
-              <a:schemeClr val="accent3"/>
+              <a:schemeClr val="accent4"/>
             </a:fillRef>
             <a:effectRef idx="3">
-              <a:schemeClr val="accent3"/>
+              <a:schemeClr val="accent4"/>
             </a:effectRef>
             <a:fontRef idx="minor">
               <a:schemeClr val="lt1"/>
@@ -3185,135 +3119,65 @@
             <a:p>
               <a:pPr algn="ctr"/>
               <a:r>
-                <a:rPr lang="en-US" sz="2400" b="1" smtClean="0"/>
-                <a:t>Demandes</a:t>
+                <a:rPr lang="fr-FR" sz="2400" b="1" smtClean="0"/>
+                <a:t>Annonces</a:t>
               </a:r>
-              <a:endParaRPr lang="en-US" sz="2800" b="1"/>
+              <a:endParaRPr lang="en-US" sz="2400" b="1"/>
             </a:p>
           </p:txBody>
         </p:sp>
-        <p:grpSp>
-          <p:nvGrpSpPr>
-            <p:cNvPr id="14" name="Group 13"/>
-            <p:cNvGrpSpPr/>
+        <p:sp>
+          <p:nvSpPr>
+            <p:cNvPr id="27" name="Folded Corner 26"/>
+            <p:cNvSpPr/>
             <p:nvPr/>
-          </p:nvGrpSpPr>
-          <p:grpSpPr>
+          </p:nvSpPr>
+          <p:spPr>
             <a:xfrm>
-              <a:off x="7768676" y="2533650"/>
-              <a:ext cx="348996" cy="541020"/>
-              <a:chOff x="7517892" y="1516380"/>
-              <a:chExt cx="348996" cy="541020"/>
+              <a:off x="7769131" y="3685794"/>
+              <a:ext cx="365760" cy="451104"/>
             </a:xfrm>
-            <a:solidFill>
-              <a:schemeClr val="bg1"/>
-            </a:solidFill>
-          </p:grpSpPr>
-          <p:sp>
-            <p:nvSpPr>
-              <p:cNvPr id="11" name="Block Arc 10"/>
-              <p:cNvSpPr/>
-              <p:nvPr/>
-            </p:nvSpPr>
-            <p:spPr>
-              <a:xfrm>
-                <a:off x="7517892" y="1516380"/>
-                <a:ext cx="348996" cy="348996"/>
-              </a:xfrm>
-              <a:prstGeom prst="blockArc">
-                <a:avLst>
-                  <a:gd name="adj1" fmla="val 13438162"/>
-                  <a:gd name="adj2" fmla="val 5322217"/>
-                  <a:gd name="adj3" fmla="val 24569"/>
-                </a:avLst>
-              </a:prstGeom>
-              <a:grpFill/>
-              <a:ln>
-                <a:noFill/>
-              </a:ln>
-            </p:spPr>
-            <p:style>
-              <a:lnRef idx="1">
-                <a:schemeClr val="accent4"/>
-              </a:lnRef>
-              <a:fillRef idx="3">
-                <a:schemeClr val="accent4"/>
-              </a:fillRef>
-              <a:effectRef idx="2">
-                <a:schemeClr val="accent4"/>
-              </a:effectRef>
-              <a:fontRef idx="minor">
-                <a:schemeClr val="lt1"/>
-              </a:fontRef>
-            </p:style>
-            <p:txBody>
-              <a:bodyPr rtlCol="0" anchor="ctr"/>
-              <a:lstStyle/>
-              <a:p>
-                <a:pPr algn="ctr"/>
-                <a:endParaRPr lang="en-US">
-                  <a:solidFill>
-                    <a:schemeClr val="tx1"/>
-                  </a:solidFill>
-                </a:endParaRPr>
-              </a:p>
-            </p:txBody>
-          </p:sp>
-          <p:sp>
-            <p:nvSpPr>
-              <p:cNvPr id="13" name="Oval 12"/>
-              <p:cNvSpPr/>
-              <p:nvPr/>
-            </p:nvSpPr>
-            <p:spPr>
-              <a:xfrm>
-                <a:off x="7627620" y="1920240"/>
-                <a:ext cx="137160" cy="137160"/>
-              </a:xfrm>
-              <a:prstGeom prst="ellipse">
-                <a:avLst/>
-              </a:prstGeom>
-              <a:grpFill/>
-              <a:ln>
-                <a:noFill/>
-              </a:ln>
-            </p:spPr>
-            <p:style>
-              <a:lnRef idx="1">
-                <a:schemeClr val="accent4"/>
-              </a:lnRef>
-              <a:fillRef idx="3">
-                <a:schemeClr val="accent4"/>
-              </a:fillRef>
-              <a:effectRef idx="2">
-                <a:schemeClr val="accent4"/>
-              </a:effectRef>
-              <a:fontRef idx="minor">
-                <a:schemeClr val="lt1"/>
-              </a:fontRef>
-            </p:style>
-            <p:txBody>
-              <a:bodyPr rtlCol="0" anchor="ctr"/>
-              <a:lstStyle/>
-              <a:p>
-                <a:pPr algn="ctr"/>
-                <a:endParaRPr lang="en-US"/>
-              </a:p>
-            </p:txBody>
-          </p:sp>
-        </p:grpSp>
+            <a:prstGeom prst="foldedCorner">
+              <a:avLst>
+                <a:gd name="adj" fmla="val 37720"/>
+              </a:avLst>
+            </a:prstGeom>
+          </p:spPr>
+          <p:style>
+            <a:lnRef idx="2">
+              <a:schemeClr val="accent4"/>
+            </a:lnRef>
+            <a:fillRef idx="1">
+              <a:schemeClr val="lt1"/>
+            </a:fillRef>
+            <a:effectRef idx="0">
+              <a:schemeClr val="accent4"/>
+            </a:effectRef>
+            <a:fontRef idx="minor">
+              <a:schemeClr val="dk1"/>
+            </a:fontRef>
+          </p:style>
+          <p:txBody>
+            <a:bodyPr rtlCol="0" anchor="ctr"/>
+            <a:lstStyle/>
+            <a:p>
+              <a:pPr algn="ctr"/>
+              <a:endParaRPr lang="en-US"/>
+            </a:p>
+          </p:txBody>
+        </p:sp>
       </p:grpSp>
       <p:grpSp>
         <p:nvGrpSpPr>
-          <p:cNvPr id="20" name="Group 19"/>
+          <p:cNvPr id="30" name="Group 29"/>
           <p:cNvGrpSpPr/>
           <p:nvPr/>
         </p:nvGrpSpPr>
         <p:grpSpPr>
           <a:xfrm>
-            <a:off x="7632192" y="3594354"/>
+            <a:off x="7632192" y="2497074"/>
             <a:ext cx="3364992" cy="670560"/>
-            <a:chOff x="7632192" y="3594354"/>
+            <a:chOff x="7632192" y="2497074"/>
             <a:chExt cx="3364992" cy="670560"/>
           </a:xfrm>
         </p:grpSpPr>
@@ -3325,7 +3189,7 @@
           </p:nvSpPr>
           <p:spPr>
             <a:xfrm>
-              <a:off x="7632192" y="3594354"/>
+              <a:off x="7632192" y="2497074"/>
               <a:ext cx="3364992" cy="670560"/>
             </a:xfrm>
             <a:prstGeom prst="roundRect">
@@ -3354,61 +3218,55 @@
             <a:p>
               <a:pPr algn="ctr"/>
               <a:r>
-                <a:rPr lang="en-US" sz="2400" b="1" smtClean="0"/>
-                <a:t>Information</a:t>
+                <a:rPr lang="en-US" sz="2000" b="1" smtClean="0"/>
+                <a:t>Appartements</a:t>
               </a:r>
-              <a:endParaRPr lang="en-US" sz="2800" b="1"/>
+              <a:endParaRPr lang="en-US" sz="2000" b="1"/>
             </a:p>
           </p:txBody>
         </p:sp>
         <p:grpSp>
           <p:nvGrpSpPr>
-            <p:cNvPr id="18" name="Group 17"/>
+            <p:cNvPr id="29" name="Group 28"/>
             <p:cNvGrpSpPr/>
             <p:nvPr/>
           </p:nvGrpSpPr>
           <p:grpSpPr>
             <a:xfrm>
-              <a:off x="7861013" y="3686275"/>
-              <a:ext cx="164320" cy="528652"/>
-              <a:chOff x="5701918" y="2912012"/>
-              <a:chExt cx="212091" cy="682342"/>
+              <a:off x="7738220" y="2606929"/>
+              <a:ext cx="520700" cy="450850"/>
+              <a:chOff x="5416550" y="1136650"/>
+              <a:chExt cx="869950" cy="692150"/>
             </a:xfrm>
-            <a:solidFill>
-              <a:schemeClr val="bg1"/>
-            </a:solidFill>
           </p:grpSpPr>
           <p:sp>
             <p:nvSpPr>
-              <p:cNvPr id="16" name="Oval 15"/>
+              <p:cNvPr id="5" name="Rectangle 4"/>
               <p:cNvSpPr/>
               <p:nvPr/>
             </p:nvSpPr>
             <p:spPr>
               <a:xfrm>
-                <a:off x="5701918" y="2912012"/>
-                <a:ext cx="212091" cy="212091"/>
+                <a:off x="5559552" y="1475613"/>
+                <a:ext cx="573024" cy="353187"/>
               </a:xfrm>
-              <a:prstGeom prst="ellipse">
+              <a:prstGeom prst="rect">
                 <a:avLst/>
               </a:prstGeom>
-              <a:grpFill/>
-              <a:ln>
-                <a:noFill/>
-              </a:ln>
+              <a:ln w="19050"/>
             </p:spPr>
             <p:style>
-              <a:lnRef idx="1">
-                <a:schemeClr val="accent1"/>
+              <a:lnRef idx="2">
+                <a:schemeClr val="accent5"/>
               </a:lnRef>
-              <a:fillRef idx="3">
-                <a:schemeClr val="accent1"/>
+              <a:fillRef idx="1">
+                <a:schemeClr val="lt1"/>
               </a:fillRef>
-              <a:effectRef idx="2">
-                <a:schemeClr val="accent1"/>
+              <a:effectRef idx="0">
+                <a:schemeClr val="accent5"/>
               </a:effectRef>
               <a:fontRef idx="minor">
-                <a:schemeClr val="lt1"/>
+                <a:schemeClr val="dk1"/>
               </a:fontRef>
             </p:style>
             <p:txBody>
@@ -3422,37 +3280,71 @@
           </p:sp>
           <p:sp>
             <p:nvSpPr>
-              <p:cNvPr id="17" name="Rounded Rectangle 16"/>
+              <p:cNvPr id="12" name="Isosceles Triangle 11"/>
               <p:cNvSpPr/>
               <p:nvPr/>
             </p:nvSpPr>
             <p:spPr>
               <a:xfrm>
-                <a:off x="5736463" y="3167634"/>
-                <a:ext cx="143003" cy="426720"/>
+                <a:off x="5416550" y="1136650"/>
+                <a:ext cx="869950" cy="338963"/>
               </a:xfrm>
-              <a:prstGeom prst="roundRect">
-                <a:avLst>
-                  <a:gd name="adj" fmla="val 50000"/>
-                </a:avLst>
+              <a:prstGeom prst="triangle">
+                <a:avLst/>
               </a:prstGeom>
-              <a:grpFill/>
-              <a:ln>
-                <a:noFill/>
-              </a:ln>
+              <a:ln w="19050"/>
             </p:spPr>
             <p:style>
-              <a:lnRef idx="1">
-                <a:schemeClr val="accent1"/>
+              <a:lnRef idx="2">
+                <a:schemeClr val="accent5"/>
               </a:lnRef>
-              <a:fillRef idx="3">
-                <a:schemeClr val="accent1"/>
+              <a:fillRef idx="1">
+                <a:schemeClr val="lt1"/>
               </a:fillRef>
-              <a:effectRef idx="2">
-                <a:schemeClr val="accent1"/>
+              <a:effectRef idx="0">
+                <a:schemeClr val="accent5"/>
               </a:effectRef>
               <a:fontRef idx="minor">
+                <a:schemeClr val="dk1"/>
+              </a:fontRef>
+            </p:style>
+            <p:txBody>
+              <a:bodyPr rtlCol="0" anchor="ctr"/>
+              <a:lstStyle/>
+              <a:p>
+                <a:pPr algn="ctr"/>
+                <a:endParaRPr lang="en-US"/>
+              </a:p>
+            </p:txBody>
+          </p:sp>
+          <p:sp>
+            <p:nvSpPr>
+              <p:cNvPr id="28" name="Rectangle 27"/>
+              <p:cNvSpPr/>
+              <p:nvPr/>
+            </p:nvSpPr>
+            <p:spPr>
+              <a:xfrm flipH="1">
+                <a:off x="5795264" y="1590675"/>
+                <a:ext cx="101600" cy="238125"/>
+              </a:xfrm>
+              <a:prstGeom prst="rect">
+                <a:avLst/>
+              </a:prstGeom>
+              <a:ln w="19050"/>
+            </p:spPr>
+            <p:style>
+              <a:lnRef idx="2">
+                <a:schemeClr val="accent5"/>
+              </a:lnRef>
+              <a:fillRef idx="1">
                 <a:schemeClr val="lt1"/>
+              </a:fillRef>
+              <a:effectRef idx="0">
+                <a:schemeClr val="accent5"/>
+              </a:effectRef>
+              <a:fontRef idx="minor">
+                <a:schemeClr val="dk1"/>
               </a:fontRef>
             </p:style>
             <p:txBody>
